--- a/Презентация ВКР Кривонос А..pptx
+++ b/Презентация ВКР Кривонос А..pptx
@@ -27,16 +27,16 @@
   <p:notesSz cx="6858000" cy="9144000"/>
   <p:embeddedFontLst>
     <p:embeddedFont>
-      <p:font typeface="Open Sans" panose="020B0604020202020204" charset="0"/>
+      <p:font typeface="Noto Sans Symbols" panose="020B0604020202020204" charset="0"/>
       <p:regular r:id="rId17"/>
       <p:bold r:id="rId18"/>
-      <p:italic r:id="rId19"/>
-      <p:boldItalic r:id="rId20"/>
     </p:embeddedFont>
     <p:embeddedFont>
-      <p:font typeface="Noto Sans Symbols" panose="020B0604020202020204" charset="0"/>
-      <p:regular r:id="rId21"/>
-      <p:bold r:id="rId22"/>
+      <p:font typeface="Open Sans" panose="020B0604020202020204" charset="0"/>
+      <p:regular r:id="rId19"/>
+      <p:bold r:id="rId20"/>
+      <p:italic r:id="rId21"/>
+      <p:boldItalic r:id="rId22"/>
     </p:embeddedFont>
   </p:embeddedFontLst>
   <p:defaultTextStyle>
@@ -16321,11 +16321,7 @@
             </a:r>
             <a:r>
               <a:rPr lang="ru-RU" dirty="0"/>
-              <a:t>срока окупаемости внедрения автоматизированных систем на складах временного хранения</a:t>
-            </a:r>
-            <a:r>
-              <a:rPr lang="ru-RU" dirty="0"/>
-              <a:t> </a:t>
+              <a:t>срока окупаемости внедрения автоматизированных систем на складах временного хранения </a:t>
             </a:r>
             <a:endParaRPr dirty="0"/>
           </a:p>
@@ -17626,23 +17622,12 @@
           </a:p>
           <a:p>
             <a:r>
-              <a:rPr lang="ru-RU" u="sng" dirty="0">
-                <a:solidFill>
-                  <a:srgbClr val="0000FF"/>
-                </a:solidFill>
-                <a:ea typeface="Arial" panose="020B0604020202020204" pitchFamily="34" charset="0"/>
-                <a:cs typeface="Arial" panose="020B0604020202020204" pitchFamily="34" charset="0"/>
+              <a:rPr lang="ru-RU" u="sng">
                 <a:hlinkClick r:id="rId2"/>
               </a:rPr>
-              <a:t>https://gitlab.com/krutikovaolga94/data-science</a:t>
+              <a:t>https://github.com/anastasiiak89/Warehouses-costs-VESI</a:t>
             </a:r>
-            <a:r>
-              <a:rPr lang="ru-RU" dirty="0">
-                <a:ea typeface="Arial" panose="020B0604020202020204" pitchFamily="34" charset="0"/>
-                <a:cs typeface="Arial" panose="020B0604020202020204" pitchFamily="34" charset="0"/>
-              </a:rPr>
-              <a:t> </a:t>
-            </a:r>
+            <a:endParaRPr lang="ru-RU"/>
           </a:p>
           <a:p>
             <a:pPr marL="76200" indent="0">
@@ -17820,7 +17805,7 @@
                 <a:hlinkClick r:id="rId3">
                   <a:extLst>
                     <a:ext uri="{A12FA001-AC4F-418D-AE19-62706E023703}">
-                      <ahyp:hlinkClr xmlns:ahyp="http://schemas.microsoft.com/office/drawing/2018/hyperlinkcolor" xmlns="" val="tx"/>
+                      <ahyp:hlinkClr xmlns="" xmlns:ahyp="http://schemas.microsoft.com/office/drawing/2018/hyperlinkcolor" val="tx"/>
                     </a:ext>
                   </a:extLst>
                 </a:hlinkClick>
@@ -18297,7 +18282,6 @@
               <a:rPr lang="ru-RU" dirty="0"/>
               <a:t>Сценарии работы основных элементов системы СВХ</a:t>
             </a:r>
-            <a:endParaRPr lang="ru-RU" dirty="0"/>
           </a:p>
         </p:txBody>
       </p:sp>
@@ -18851,43 +18835,7 @@
                 <a:cs typeface="Open Sans"/>
                 <a:sym typeface="Open Sans"/>
               </a:rPr>
-              <a:t>542 </a:t>
-            </a:r>
-            <a:r>
-              <a:rPr lang="en-US" dirty="0">
-                <a:solidFill>
-                  <a:schemeClr val="tx1"/>
-                </a:solidFill>
-                <a:latin typeface="Open Sans"/>
-                <a:ea typeface="Open Sans"/>
-                <a:cs typeface="Open Sans"/>
-                <a:sym typeface="Open Sans"/>
-              </a:rPr>
-              <a:t>rows × </a:t>
-            </a:r>
-            <a:r>
-              <a:rPr lang="en-US" dirty="0">
-                <a:solidFill>
-                  <a:schemeClr val="tx1"/>
-                </a:solidFill>
-                <a:latin typeface="Open Sans"/>
-                <a:ea typeface="Open Sans"/>
-                <a:cs typeface="Open Sans"/>
-                <a:sym typeface="Open Sans"/>
-              </a:rPr>
-              <a:t>20 </a:t>
-            </a:r>
-            <a:r>
-              <a:rPr lang="en-US" dirty="0">
-                <a:solidFill>
-                  <a:schemeClr val="tx1"/>
-                </a:solidFill>
-                <a:latin typeface="Open Sans"/>
-                <a:ea typeface="Open Sans"/>
-                <a:cs typeface="Open Sans"/>
-                <a:sym typeface="Open Sans"/>
-              </a:rPr>
-              <a:t>columns</a:t>
+              <a:t>542 rows × 20 columns</a:t>
             </a:r>
             <a:endParaRPr lang="ru-RU" dirty="0">
               <a:solidFill>
@@ -18929,43 +18877,7 @@
                 <a:cs typeface="Open Sans"/>
                 <a:sym typeface="Open Sans"/>
               </a:rPr>
-              <a:t>3 </a:t>
-            </a:r>
-            <a:r>
-              <a:rPr lang="en-US" dirty="0">
-                <a:solidFill>
-                  <a:schemeClr val="tx1"/>
-                </a:solidFill>
-                <a:latin typeface="Open Sans"/>
-                <a:ea typeface="Open Sans"/>
-                <a:cs typeface="Open Sans"/>
-                <a:sym typeface="Open Sans"/>
-              </a:rPr>
-              <a:t>rows × </a:t>
-            </a:r>
-            <a:r>
-              <a:rPr lang="en-US" dirty="0">
-                <a:solidFill>
-                  <a:schemeClr val="tx1"/>
-                </a:solidFill>
-                <a:latin typeface="Open Sans"/>
-                <a:ea typeface="Open Sans"/>
-                <a:cs typeface="Open Sans"/>
-                <a:sym typeface="Open Sans"/>
-              </a:rPr>
-              <a:t>4 </a:t>
-            </a:r>
-            <a:r>
-              <a:rPr lang="en-US" dirty="0">
-                <a:solidFill>
-                  <a:schemeClr val="tx1"/>
-                </a:solidFill>
-                <a:latin typeface="Open Sans"/>
-                <a:ea typeface="Open Sans"/>
-                <a:cs typeface="Open Sans"/>
-                <a:sym typeface="Open Sans"/>
-              </a:rPr>
-              <a:t>columns</a:t>
+              <a:t>3 rows × 4 columns</a:t>
             </a:r>
             <a:endParaRPr lang="ru-RU" dirty="0">
               <a:solidFill>
@@ -19961,11 +19873,7 @@
             </a:pPr>
             <a:r>
               <a:rPr lang="ru-RU" dirty="0"/>
-              <a:t>Матрица </a:t>
-            </a:r>
-            <a:r>
-              <a:rPr lang="ru-RU" dirty="0"/>
-              <a:t>корреляции. Тепловая карта коэффициентов корреляции</a:t>
+              <a:t>Матрица корреляции. Тепловая карта коэффициентов корреляции</a:t>
             </a:r>
             <a:endParaRPr dirty="0"/>
           </a:p>
@@ -20103,31 +20011,7 @@
                 <a:cs typeface="Open Sans"/>
                 <a:sym typeface="Open Sans"/>
               </a:rPr>
-              <a:t>Все </a:t>
-            </a:r>
-            <a:r>
-              <a:rPr lang="ru-RU" sz="1600" i="1" dirty="0">
-                <a:solidFill>
-                  <a:srgbClr val="262626"/>
-                </a:solidFill>
-                <a:latin typeface="Open Sans"/>
-                <a:ea typeface="Open Sans"/>
-                <a:cs typeface="Open Sans"/>
-                <a:sym typeface="Open Sans"/>
-              </a:rPr>
-              <a:t>полученные коэффициенты корреляции находятся в промежутке значений от - 0,86 до 0,99. </a:t>
-            </a:r>
-            <a:r>
-              <a:rPr lang="ru-RU" sz="1600" i="1" dirty="0">
-                <a:solidFill>
-                  <a:srgbClr val="262626"/>
-                </a:solidFill>
-                <a:latin typeface="Open Sans"/>
-                <a:ea typeface="Open Sans"/>
-                <a:cs typeface="Open Sans"/>
-                <a:sym typeface="Open Sans"/>
-              </a:rPr>
-              <a:t>Исходя из этого можно сделать вывод, что наблюдается </a:t>
+              <a:t>Все полученные коэффициенты корреляции находятся в промежутке значений от - 0,86 до 0,99. Исходя из этого можно сделать вывод, что наблюдается </a:t>
             </a:r>
             <a:r>
               <a:rPr lang="ru-RU" sz="1600" i="1" dirty="0" smtClean="0">
@@ -20208,7 +20092,6 @@
               <a:rPr lang="ru-RU" dirty="0"/>
               <a:t>Предобработка данных</a:t>
             </a:r>
-            <a:endParaRPr lang="ru-RU" dirty="0"/>
           </a:p>
         </p:txBody>
       </p:sp>

--- a/Презентация ВКР Кривонос А..pptx
+++ b/Презентация ВКР Кривонос А..pptx
@@ -17622,11 +17622,23 @@
           </a:p>
           <a:p>
             <a:r>
-              <a:rPr lang="ru-RU" u="sng">
+              <a:rPr lang="ru-RU" u="sng" dirty="0">
                 <a:hlinkClick r:id="rId2"/>
               </a:rPr>
-              <a:t>https://github.com/anastasiiak89/Warehouses-costs-VESI</a:t>
+              <a:t>https://</a:t>
             </a:r>
+            <a:r>
+              <a:rPr lang="ru-RU" u="sng" dirty="0" smtClean="0">
+                <a:hlinkClick r:id="rId2"/>
+              </a:rPr>
+              <a:t>github.com/anastasiiak89/Warehouses-costs-VESI</a:t>
+            </a:r>
+            <a:endParaRPr lang="en-US" u="sng" smtClean="0"/>
+          </a:p>
+          <a:p>
+            <a:pPr marL="76200" indent="0">
+              <a:buNone/>
+            </a:pPr>
             <a:endParaRPr lang="ru-RU"/>
           </a:p>
           <a:p>
@@ -17805,7 +17817,7 @@
                 <a:hlinkClick r:id="rId3">
                   <a:extLst>
                     <a:ext uri="{A12FA001-AC4F-418D-AE19-62706E023703}">
-                      <ahyp:hlinkClr xmlns="" xmlns:ahyp="http://schemas.microsoft.com/office/drawing/2018/hyperlinkcolor" val="tx"/>
+                      <ahyp:hlinkClr xmlns:ahyp="http://schemas.microsoft.com/office/drawing/2018/hyperlinkcolor" xmlns="" val="tx"/>
                     </a:ext>
                   </a:extLst>
                 </a:hlinkClick>
